--- a/Slides/Gambling 3/Gambling_3_Lecture.pptx
+++ b/Slides/Gambling 3/Gambling_3_Lecture.pptx
@@ -220,7 +220,7 @@
           <a:p>
             <a:fld id="{C04E5E84-956F-4423-97B3-5936A6D8EEEE}" type="datetimeFigureOut">
               <a:rPr lang="en-US" smtClean="0"/>
-              <a:t>11/12/2019</a:t>
+              <a:t>4/25/2021</a:t>
             </a:fld>
             <a:endParaRPr lang="en-US"/>
           </a:p>
@@ -890,7 +890,7 @@
           <a:p>
             <a:fld id="{3881C039-66A3-4640-815B-3B5A8B7D868D}" type="datetimeFigureOut">
               <a:rPr lang="en-US" smtClean="0"/>
-              <a:t>11/12/2019</a:t>
+              <a:t>4/25/2021</a:t>
             </a:fld>
             <a:endParaRPr lang="en-US"/>
           </a:p>
@@ -1074,7 +1074,7 @@
           <a:p>
             <a:fld id="{3881C039-66A3-4640-815B-3B5A8B7D868D}" type="datetimeFigureOut">
               <a:rPr lang="en-US" smtClean="0"/>
-              <a:t>11/12/2019</a:t>
+              <a:t>4/25/2021</a:t>
             </a:fld>
             <a:endParaRPr lang="en-US"/>
           </a:p>
@@ -1254,7 +1254,7 @@
           <a:p>
             <a:fld id="{3881C039-66A3-4640-815B-3B5A8B7D868D}" type="datetimeFigureOut">
               <a:rPr lang="en-US" smtClean="0"/>
-              <a:t>11/12/2019</a:t>
+              <a:t>4/25/2021</a:t>
             </a:fld>
             <a:endParaRPr lang="en-US"/>
           </a:p>
@@ -1424,7 +1424,7 @@
           <a:p>
             <a:fld id="{3881C039-66A3-4640-815B-3B5A8B7D868D}" type="datetimeFigureOut">
               <a:rPr lang="en-US" smtClean="0"/>
-              <a:t>11/12/2019</a:t>
+              <a:t>4/25/2021</a:t>
             </a:fld>
             <a:endParaRPr lang="en-US"/>
           </a:p>
@@ -1737,7 +1737,7 @@
           <a:p>
             <a:fld id="{3881C039-66A3-4640-815B-3B5A8B7D868D}" type="datetimeFigureOut">
               <a:rPr lang="en-US" smtClean="0"/>
-              <a:t>11/12/2019</a:t>
+              <a:t>4/25/2021</a:t>
             </a:fld>
             <a:endParaRPr lang="en-US"/>
           </a:p>
@@ -2123,7 +2123,7 @@
           <a:p>
             <a:fld id="{3881C039-66A3-4640-815B-3B5A8B7D868D}" type="datetimeFigureOut">
               <a:rPr lang="en-US" smtClean="0"/>
-              <a:t>11/12/2019</a:t>
+              <a:t>4/25/2021</a:t>
             </a:fld>
             <a:endParaRPr lang="en-US"/>
           </a:p>
@@ -2557,7 +2557,7 @@
           <a:p>
             <a:fld id="{3881C039-66A3-4640-815B-3B5A8B7D868D}" type="datetimeFigureOut">
               <a:rPr lang="en-US" smtClean="0"/>
-              <a:t>11/12/2019</a:t>
+              <a:t>4/25/2021</a:t>
             </a:fld>
             <a:endParaRPr lang="en-US"/>
           </a:p>
@@ -2675,7 +2675,7 @@
           <a:p>
             <a:fld id="{3881C039-66A3-4640-815B-3B5A8B7D868D}" type="datetimeFigureOut">
               <a:rPr lang="en-US" smtClean="0"/>
-              <a:t>11/12/2019</a:t>
+              <a:t>4/25/2021</a:t>
             </a:fld>
             <a:endParaRPr lang="en-US"/>
           </a:p>
@@ -2770,7 +2770,7 @@
           <a:p>
             <a:fld id="{3881C039-66A3-4640-815B-3B5A8B7D868D}" type="datetimeFigureOut">
               <a:rPr lang="en-US" smtClean="0"/>
-              <a:t>11/12/2019</a:t>
+              <a:t>4/25/2021</a:t>
             </a:fld>
             <a:endParaRPr lang="en-US"/>
           </a:p>
@@ -3125,7 +3125,7 @@
           <a:p>
             <a:fld id="{3881C039-66A3-4640-815B-3B5A8B7D868D}" type="datetimeFigureOut">
               <a:rPr lang="en-US" smtClean="0"/>
-              <a:t>11/12/2019</a:t>
+              <a:t>4/25/2021</a:t>
             </a:fld>
             <a:endParaRPr lang="en-US"/>
           </a:p>
@@ -3555,7 +3555,7 @@
           <a:p>
             <a:fld id="{3881C039-66A3-4640-815B-3B5A8B7D868D}" type="datetimeFigureOut">
               <a:rPr lang="en-US" smtClean="0"/>
-              <a:t>11/12/2019</a:t>
+              <a:t>4/25/2021</a:t>
             </a:fld>
             <a:endParaRPr lang="en-US"/>
           </a:p>
@@ -3836,7 +3836,7 @@
           <a:p>
             <a:fld id="{3881C039-66A3-4640-815B-3B5A8B7D868D}" type="datetimeFigureOut">
               <a:rPr lang="en-US" smtClean="0"/>
-              <a:t>11/12/2019</a:t>
+              <a:t>4/25/2021</a:t>
             </a:fld>
             <a:endParaRPr lang="en-US"/>
           </a:p>
@@ -4750,8 +4750,49 @@
                 <a:effectLst/>
                 <a:latin typeface="Selawik Semibold" panose="020B0702040204020203" pitchFamily="34" charset="0"/>
               </a:rPr>
-              <a:t>UNC STOR 390</a:t>
+              <a:t>UNC </a:t>
             </a:r>
+            <a:r>
+              <a:rPr lang="en-US" sz="2400">
+                <a:ln>
+                  <a:noFill/>
+                </a:ln>
+                <a:solidFill>
+                  <a:schemeClr val="accent5">
+                    <a:lumMod val="60000"/>
+                    <a:lumOff val="40000"/>
+                  </a:schemeClr>
+                </a:solidFill>
+                <a:effectLst/>
+                <a:latin typeface="Selawik Semibold" panose="020B0702040204020203" pitchFamily="34" charset="0"/>
+              </a:rPr>
+              <a:t>STOR </a:t>
+            </a:r>
+            <a:r>
+              <a:rPr lang="en-US" sz="2400">
+                <a:solidFill>
+                  <a:schemeClr val="accent5">
+                    <a:lumMod val="60000"/>
+                    <a:lumOff val="40000"/>
+                  </a:schemeClr>
+                </a:solidFill>
+                <a:latin typeface="Selawik Semibold" panose="020B0702040204020203" pitchFamily="34" charset="0"/>
+              </a:rPr>
+              <a:t>538</a:t>
+            </a:r>
+            <a:endParaRPr lang="en-US" sz="2400" dirty="0">
+              <a:ln>
+                <a:noFill/>
+              </a:ln>
+              <a:solidFill>
+                <a:schemeClr val="accent5">
+                  <a:lumMod val="60000"/>
+                  <a:lumOff val="40000"/>
+                </a:schemeClr>
+              </a:solidFill>
+              <a:effectLst/>
+              <a:latin typeface="Selawik Semibold" panose="020B0702040204020203" pitchFamily="34" charset="0"/>
+            </a:endParaRPr>
           </a:p>
         </p:txBody>
       </p:sp>
@@ -6747,8 +6788,8 @@
           </a:effectLst>
         </p:spPr>
       </p:pic>
-      <mc:AlternateContent xmlns:mc="http://schemas.openxmlformats.org/markup-compatibility/2006">
-        <mc:Choice xmlns:a14="http://schemas.microsoft.com/office/drawing/2010/main" Requires="a14">
+      <mc:AlternateContent xmlns:mc="http://schemas.openxmlformats.org/markup-compatibility/2006" xmlns:a14="http://schemas.microsoft.com/office/drawing/2010/main">
+        <mc:Choice Requires="a14">
           <p:sp>
             <p:nvSpPr>
               <p:cNvPr id="19" name="TextBox 18">
@@ -6777,6 +6818,7 @@
               </a:bodyPr>
               <a:lstStyle/>
               <a:p>
+                <a:pPr/>
                 <a14:m>
                   <m:oMathPara xmlns:m="http://schemas.openxmlformats.org/officeDocument/2006/math">
                     <m:oMathParaPr>
@@ -6935,19 +6977,7 @@
                               </a:solidFill>
                               <a:latin typeface="Cambria Math" panose="02040503050406030204" pitchFamily="18" charset="0"/>
                             </a:rPr>
-                            <m:t>0.48</m:t>
-                          </m:r>
-                          <m:r>
-                            <a:rPr lang="en-US" sz="2000" b="0" i="1" smtClean="0">
-                              <a:solidFill>
-                                <a:schemeClr val="accent5">
-                                  <a:lumMod val="60000"/>
-                                  <a:lumOff val="40000"/>
-                                </a:schemeClr>
-                              </a:solidFill>
-                              <a:latin typeface="Cambria Math" panose="02040503050406030204" pitchFamily="18" charset="0"/>
-                            </a:rPr>
-                            <m:t>×0.909</m:t>
+                            <m:t>0.48×0.909</m:t>
                           </m:r>
                           <m:r>
                             <a:rPr lang="en-US" sz="2000" i="1">
@@ -7016,7 +7046,7 @@
             </p:txBody>
           </p:sp>
         </mc:Choice>
-        <mc:Fallback>
+        <mc:Fallback xmlns="">
           <p:sp>
             <p:nvSpPr>
               <p:cNvPr id="19" name="TextBox 18">
@@ -7154,8 +7184,8 @@
           </a:p>
         </p:txBody>
       </p:sp>
-      <mc:AlternateContent xmlns:mc="http://schemas.openxmlformats.org/markup-compatibility/2006">
-        <mc:Choice xmlns:a14="http://schemas.microsoft.com/office/drawing/2010/main" Requires="a14">
+      <mc:AlternateContent xmlns:mc="http://schemas.openxmlformats.org/markup-compatibility/2006" xmlns:a14="http://schemas.microsoft.com/office/drawing/2010/main">
+        <mc:Choice Requires="a14">
           <p:sp>
             <p:nvSpPr>
               <p:cNvPr id="13" name="TextBox 12">
@@ -7184,6 +7214,7 @@
               </a:bodyPr>
               <a:lstStyle/>
               <a:p>
+                <a:pPr/>
                 <a14:m>
                   <m:oMathPara xmlns:m="http://schemas.openxmlformats.org/officeDocument/2006/math">
                     <m:oMathParaPr>
@@ -7342,19 +7373,7 @@
                               </a:solidFill>
                               <a:latin typeface="Cambria Math" panose="02040503050406030204" pitchFamily="18" charset="0"/>
                             </a:rPr>
-                            <m:t>0.95</m:t>
-                          </m:r>
-                          <m:r>
-                            <a:rPr lang="en-US" sz="2000" b="0" i="1" smtClean="0">
-                              <a:solidFill>
-                                <a:schemeClr val="accent5">
-                                  <a:lumMod val="60000"/>
-                                  <a:lumOff val="40000"/>
-                                </a:schemeClr>
-                              </a:solidFill>
-                              <a:latin typeface="Cambria Math" panose="02040503050406030204" pitchFamily="18" charset="0"/>
-                            </a:rPr>
-                            <m:t>×0.909</m:t>
+                            <m:t>0.95×0.909</m:t>
                           </m:r>
                           <m:r>
                             <a:rPr lang="en-US" sz="2000" i="1">
@@ -7423,7 +7442,7 @@
             </p:txBody>
           </p:sp>
         </mc:Choice>
-        <mc:Fallback>
+        <mc:Fallback xmlns="">
           <p:sp>
             <p:nvSpPr>
               <p:cNvPr id="13" name="TextBox 12">
@@ -8169,8 +8188,8 @@
           </a:effectLst>
         </p:spPr>
       </p:pic>
-      <mc:AlternateContent xmlns:mc="http://schemas.openxmlformats.org/markup-compatibility/2006">
-        <mc:Choice xmlns:a14="http://schemas.microsoft.com/office/drawing/2010/main" Requires="a14">
+      <mc:AlternateContent xmlns:mc="http://schemas.openxmlformats.org/markup-compatibility/2006" xmlns:a14="http://schemas.microsoft.com/office/drawing/2010/main">
+        <mc:Choice Requires="a14">
           <p:sp>
             <p:nvSpPr>
               <p:cNvPr id="14" name="TextBox 13">
@@ -8199,6 +8218,7 @@
               </a:bodyPr>
               <a:lstStyle/>
               <a:p>
+                <a:pPr/>
                 <a14:m>
                   <m:oMathPara xmlns:m="http://schemas.openxmlformats.org/officeDocument/2006/math">
                     <m:oMathParaPr>
@@ -8512,7 +8532,7 @@
             </p:txBody>
           </p:sp>
         </mc:Choice>
-        <mc:Fallback>
+        <mc:Fallback xmlns="">
           <p:sp>
             <p:nvSpPr>
               <p:cNvPr id="14" name="TextBox 13">
@@ -8557,8 +8577,8 @@
           </p:sp>
         </mc:Fallback>
       </mc:AlternateContent>
-      <mc:AlternateContent xmlns:mc="http://schemas.openxmlformats.org/markup-compatibility/2006">
-        <mc:Choice xmlns:a14="http://schemas.microsoft.com/office/drawing/2010/main" Requires="a14">
+      <mc:AlternateContent xmlns:mc="http://schemas.openxmlformats.org/markup-compatibility/2006" xmlns:a14="http://schemas.microsoft.com/office/drawing/2010/main">
+        <mc:Choice Requires="a14">
           <p:sp>
             <p:nvSpPr>
               <p:cNvPr id="18" name="TextBox 17">
@@ -8587,6 +8607,7 @@
               </a:bodyPr>
               <a:lstStyle/>
               <a:p>
+                <a:pPr/>
                 <a14:m>
                   <m:oMathPara xmlns:m="http://schemas.openxmlformats.org/officeDocument/2006/math">
                     <m:oMathParaPr>
@@ -8620,7 +8641,7 @@
             </p:txBody>
           </p:sp>
         </mc:Choice>
-        <mc:Fallback>
+        <mc:Fallback xmlns="">
           <p:sp>
             <p:nvSpPr>
               <p:cNvPr id="18" name="TextBox 17">
@@ -11643,8 +11664,8 @@
           </a:effectLst>
         </p:spPr>
       </p:pic>
-      <mc:AlternateContent xmlns:mc="http://schemas.openxmlformats.org/markup-compatibility/2006">
-        <mc:Choice xmlns:a14="http://schemas.microsoft.com/office/drawing/2010/main" Requires="a14">
+      <mc:AlternateContent xmlns:mc="http://schemas.openxmlformats.org/markup-compatibility/2006" xmlns:a14="http://schemas.microsoft.com/office/drawing/2010/main">
+        <mc:Choice Requires="a14">
           <p:sp>
             <p:nvSpPr>
               <p:cNvPr id="3" name="TextBox 2">
@@ -11786,7 +11807,7 @@
             </p:txBody>
           </p:sp>
         </mc:Choice>
-        <mc:Fallback>
+        <mc:Fallback xmlns="">
           <p:sp>
             <p:nvSpPr>
               <p:cNvPr id="3" name="TextBox 2">
@@ -13298,8 +13319,8 @@
           </a:effectLst>
         </p:spPr>
       </p:pic>
-      <mc:AlternateContent xmlns:mc="http://schemas.openxmlformats.org/markup-compatibility/2006">
-        <mc:Choice xmlns:a14="http://schemas.microsoft.com/office/drawing/2010/main" Requires="a14">
+      <mc:AlternateContent xmlns:mc="http://schemas.openxmlformats.org/markup-compatibility/2006" xmlns:a14="http://schemas.microsoft.com/office/drawing/2010/main">
+        <mc:Choice Requires="a14">
           <p:sp>
             <p:nvSpPr>
               <p:cNvPr id="3" name="TextBox 2">
@@ -13328,6 +13349,7 @@
               </a:bodyPr>
               <a:lstStyle/>
               <a:p>
+                <a:pPr/>
                 <a14:m>
                   <m:oMathPara xmlns:m="http://schemas.openxmlformats.org/officeDocument/2006/math">
                     <m:oMathParaPr>
@@ -13641,7 +13663,7 @@
             </p:txBody>
           </p:sp>
         </mc:Choice>
-        <mc:Fallback>
+        <mc:Fallback xmlns="">
           <p:sp>
             <p:nvSpPr>
               <p:cNvPr id="3" name="TextBox 2">
@@ -13686,8 +13708,8 @@
           </p:sp>
         </mc:Fallback>
       </mc:AlternateContent>
-      <mc:AlternateContent xmlns:mc="http://schemas.openxmlformats.org/markup-compatibility/2006">
-        <mc:Choice xmlns:a14="http://schemas.microsoft.com/office/drawing/2010/main" Requires="a14">
+      <mc:AlternateContent xmlns:mc="http://schemas.openxmlformats.org/markup-compatibility/2006" xmlns:a14="http://schemas.microsoft.com/office/drawing/2010/main">
+        <mc:Choice Requires="a14">
           <p:sp>
             <p:nvSpPr>
               <p:cNvPr id="8" name="TextBox 7">
@@ -13716,6 +13738,7 @@
               </a:bodyPr>
               <a:lstStyle/>
               <a:p>
+                <a:pPr/>
                 <a14:m>
                   <m:oMathPara xmlns:m="http://schemas.openxmlformats.org/officeDocument/2006/math">
                     <m:oMathParaPr>
@@ -13749,7 +13772,7 @@
             </p:txBody>
           </p:sp>
         </mc:Choice>
-        <mc:Fallback>
+        <mc:Fallback xmlns="">
           <p:sp>
             <p:nvSpPr>
               <p:cNvPr id="8" name="TextBox 7">
@@ -13794,8 +13817,8 @@
           </p:sp>
         </mc:Fallback>
       </mc:AlternateContent>
-      <mc:AlternateContent xmlns:mc="http://schemas.openxmlformats.org/markup-compatibility/2006">
-        <mc:Choice xmlns:a14="http://schemas.microsoft.com/office/drawing/2010/main" Requires="a14">
+      <mc:AlternateContent xmlns:mc="http://schemas.openxmlformats.org/markup-compatibility/2006" xmlns:a14="http://schemas.microsoft.com/office/drawing/2010/main">
+        <mc:Choice Requires="a14">
           <p:sp>
             <p:nvSpPr>
               <p:cNvPr id="10" name="TextBox 9">
@@ -13824,6 +13847,7 @@
               </a:bodyPr>
               <a:lstStyle/>
               <a:p>
+                <a:pPr/>
                 <a14:m>
                   <m:oMathPara xmlns:m="http://schemas.openxmlformats.org/officeDocument/2006/math">
                     <m:oMathParaPr>
@@ -14188,7 +14212,7 @@
             </p:txBody>
           </p:sp>
         </mc:Choice>
-        <mc:Fallback>
+        <mc:Fallback xmlns="">
           <p:sp>
             <p:nvSpPr>
               <p:cNvPr id="10" name="TextBox 9">
@@ -14277,8 +14301,8 @@
           </a:p>
         </p:txBody>
       </p:sp>
-      <mc:AlternateContent xmlns:mc="http://schemas.openxmlformats.org/markup-compatibility/2006">
-        <mc:Choice xmlns:a14="http://schemas.microsoft.com/office/drawing/2010/main" Requires="a14">
+      <mc:AlternateContent xmlns:mc="http://schemas.openxmlformats.org/markup-compatibility/2006" xmlns:a14="http://schemas.microsoft.com/office/drawing/2010/main">
+        <mc:Choice Requires="a14">
           <p:sp>
             <p:nvSpPr>
               <p:cNvPr id="15" name="TextBox 14">
@@ -14307,6 +14331,7 @@
               </a:bodyPr>
               <a:lstStyle/>
               <a:p>
+                <a:pPr/>
                 <a14:m>
                   <m:oMathPara xmlns:m="http://schemas.openxmlformats.org/officeDocument/2006/math">
                     <m:oMathParaPr>
@@ -14340,7 +14365,7 @@
             </p:txBody>
           </p:sp>
         </mc:Choice>
-        <mc:Fallback>
+        <mc:Fallback xmlns="">
           <p:sp>
             <p:nvSpPr>
               <p:cNvPr id="15" name="TextBox 14">
@@ -14385,8 +14410,8 @@
           </p:sp>
         </mc:Fallback>
       </mc:AlternateContent>
-      <mc:AlternateContent xmlns:mc="http://schemas.openxmlformats.org/markup-compatibility/2006">
-        <mc:Choice xmlns:a14="http://schemas.microsoft.com/office/drawing/2010/main" Requires="a14">
+      <mc:AlternateContent xmlns:mc="http://schemas.openxmlformats.org/markup-compatibility/2006" xmlns:a14="http://schemas.microsoft.com/office/drawing/2010/main">
+        <mc:Choice Requires="a14">
           <p:sp>
             <p:nvSpPr>
               <p:cNvPr id="17" name="TextBox 16">
@@ -14415,6 +14440,7 @@
               </a:bodyPr>
               <a:lstStyle/>
               <a:p>
+                <a:pPr/>
                 <a14:m>
                   <m:oMathPara xmlns:m="http://schemas.openxmlformats.org/officeDocument/2006/math">
                     <m:oMathParaPr>
@@ -14448,7 +14474,7 @@
                       <m:f>
                         <m:fPr>
                           <m:ctrlPr>
-                            <a:rPr lang="en-US" sz="2400" b="0" i="0" smtClean="0">
+                            <a:rPr lang="en-US" sz="2400" b="0" i="1" smtClean="0">
                               <a:solidFill>
                                 <a:schemeClr val="accent5">
                                   <a:lumMod val="60000"/>
@@ -14557,7 +14583,7 @@
             </p:txBody>
           </p:sp>
         </mc:Choice>
-        <mc:Fallback>
+        <mc:Fallback xmlns="">
           <p:sp>
             <p:nvSpPr>
               <p:cNvPr id="17" name="TextBox 16">
@@ -15354,8 +15380,8 @@
           </a:effectLst>
         </p:spPr>
       </p:pic>
-      <mc:AlternateContent xmlns:mc="http://schemas.openxmlformats.org/markup-compatibility/2006">
-        <mc:Choice xmlns:a14="http://schemas.microsoft.com/office/drawing/2010/main" Requires="a14">
+      <mc:AlternateContent xmlns:mc="http://schemas.openxmlformats.org/markup-compatibility/2006" xmlns:a14="http://schemas.microsoft.com/office/drawing/2010/main">
+        <mc:Choice Requires="a14">
           <p:sp>
             <p:nvSpPr>
               <p:cNvPr id="24" name="TextBox 23">
@@ -15384,6 +15410,7 @@
               </a:bodyPr>
               <a:lstStyle/>
               <a:p>
+                <a:pPr/>
                 <a14:m>
                   <m:oMathPara xmlns:m="http://schemas.openxmlformats.org/officeDocument/2006/math">
                     <m:oMathParaPr>
@@ -16003,7 +16030,7 @@
             </p:txBody>
           </p:sp>
         </mc:Choice>
-        <mc:Fallback>
+        <mc:Fallback xmlns="">
           <p:sp>
             <p:nvSpPr>
               <p:cNvPr id="24" name="TextBox 23">
@@ -16164,8 +16191,8 @@
           </a:p>
         </p:txBody>
       </p:sp>
-      <mc:AlternateContent xmlns:mc="http://schemas.openxmlformats.org/markup-compatibility/2006">
-        <mc:Choice xmlns:a14="http://schemas.microsoft.com/office/drawing/2010/main" Requires="a14">
+      <mc:AlternateContent xmlns:mc="http://schemas.openxmlformats.org/markup-compatibility/2006" xmlns:a14="http://schemas.microsoft.com/office/drawing/2010/main">
+        <mc:Choice Requires="a14">
           <p:sp>
             <p:nvSpPr>
               <p:cNvPr id="19" name="TextBox 18">
@@ -16194,6 +16221,7 @@
               </a:bodyPr>
               <a:lstStyle/>
               <a:p>
+                <a:pPr/>
                 <a14:m>
                   <m:oMathPara xmlns:m="http://schemas.openxmlformats.org/officeDocument/2006/math">
                     <m:oMathParaPr>
@@ -16352,19 +16380,7 @@
                               </a:solidFill>
                               <a:latin typeface="Cambria Math" panose="02040503050406030204" pitchFamily="18" charset="0"/>
                             </a:rPr>
-                            <m:t>0.6</m:t>
-                          </m:r>
-                          <m:r>
-                            <a:rPr lang="en-US" sz="2000" b="0" i="1" smtClean="0">
-                              <a:solidFill>
-                                <a:schemeClr val="accent5">
-                                  <a:lumMod val="60000"/>
-                                  <a:lumOff val="40000"/>
-                                </a:schemeClr>
-                              </a:solidFill>
-                              <a:latin typeface="Cambria Math" panose="02040503050406030204" pitchFamily="18" charset="0"/>
-                            </a:rPr>
-                            <m:t>×0.909</m:t>
+                            <m:t>0.6×0.909</m:t>
                           </m:r>
                           <m:r>
                             <a:rPr lang="en-US" sz="2000" i="1">
@@ -16433,7 +16449,7 @@
             </p:txBody>
           </p:sp>
         </mc:Choice>
-        <mc:Fallback>
+        <mc:Fallback xmlns="">
           <p:sp>
             <p:nvSpPr>
               <p:cNvPr id="19" name="TextBox 18">
@@ -17101,8 +17117,8 @@
           </a:effectLst>
         </p:spPr>
       </p:pic>
-      <mc:AlternateContent xmlns:mc="http://schemas.openxmlformats.org/markup-compatibility/2006">
-        <mc:Choice xmlns:a14="http://schemas.microsoft.com/office/drawing/2010/main" Requires="a14">
+      <mc:AlternateContent xmlns:mc="http://schemas.openxmlformats.org/markup-compatibility/2006" xmlns:a14="http://schemas.microsoft.com/office/drawing/2010/main">
+        <mc:Choice Requires="a14">
           <p:sp>
             <p:nvSpPr>
               <p:cNvPr id="11" name="TextBox 10">
@@ -17131,6 +17147,7 @@
               </a:bodyPr>
               <a:lstStyle/>
               <a:p>
+                <a:pPr/>
                 <a14:m>
                   <m:oMathPara xmlns:m="http://schemas.openxmlformats.org/officeDocument/2006/math">
                     <m:oMathParaPr>
@@ -17164,7 +17181,7 @@
             </p:txBody>
           </p:sp>
         </mc:Choice>
-        <mc:Fallback>
+        <mc:Fallback xmlns="">
           <p:sp>
             <p:nvSpPr>
               <p:cNvPr id="11" name="TextBox 10">
@@ -17244,8 +17261,8 @@
           </a:ln>
         </p:spPr>
       </p:pic>
-      <mc:AlternateContent xmlns:mc="http://schemas.openxmlformats.org/markup-compatibility/2006">
-        <mc:Choice xmlns:a14="http://schemas.microsoft.com/office/drawing/2010/main" Requires="a14">
+      <mc:AlternateContent xmlns:mc="http://schemas.openxmlformats.org/markup-compatibility/2006" xmlns:a14="http://schemas.microsoft.com/office/drawing/2010/main">
+        <mc:Choice Requires="a14">
           <p:sp>
             <p:nvSpPr>
               <p:cNvPr id="13" name="TextBox 12">
@@ -17274,6 +17291,7 @@
               </a:bodyPr>
               <a:lstStyle/>
               <a:p>
+                <a:pPr/>
                 <a14:m>
                   <m:oMathPara xmlns:m="http://schemas.openxmlformats.org/officeDocument/2006/math">
                     <m:oMathParaPr>
@@ -17307,7 +17325,7 @@
             </p:txBody>
           </p:sp>
         </mc:Choice>
-        <mc:Fallback>
+        <mc:Fallback xmlns="">
           <p:sp>
             <p:nvSpPr>
               <p:cNvPr id="13" name="TextBox 12">
@@ -18013,8 +18031,8 @@
           </a:effectLst>
         </p:spPr>
       </p:pic>
-      <mc:AlternateContent xmlns:mc="http://schemas.openxmlformats.org/markup-compatibility/2006">
-        <mc:Choice xmlns:a14="http://schemas.microsoft.com/office/drawing/2010/main" Requires="a14">
+      <mc:AlternateContent xmlns:mc="http://schemas.openxmlformats.org/markup-compatibility/2006" xmlns:a14="http://schemas.microsoft.com/office/drawing/2010/main">
+        <mc:Choice Requires="a14">
           <p:sp>
             <p:nvSpPr>
               <p:cNvPr id="11" name="TextBox 10">
@@ -18043,6 +18061,7 @@
               </a:bodyPr>
               <a:lstStyle/>
               <a:p>
+                <a:pPr/>
                 <a14:m>
                   <m:oMathPara xmlns:m="http://schemas.openxmlformats.org/officeDocument/2006/math">
                     <m:oMathParaPr>
@@ -18158,7 +18177,7 @@
             </p:txBody>
           </p:sp>
         </mc:Choice>
-        <mc:Fallback>
+        <mc:Fallback xmlns="">
           <p:sp>
             <p:nvSpPr>
               <p:cNvPr id="11" name="TextBox 10">
@@ -18203,8 +18222,8 @@
           </p:sp>
         </mc:Fallback>
       </mc:AlternateContent>
-      <mc:AlternateContent xmlns:mc="http://schemas.openxmlformats.org/markup-compatibility/2006">
-        <mc:Choice xmlns:a14="http://schemas.microsoft.com/office/drawing/2010/main" Requires="a14">
+      <mc:AlternateContent xmlns:mc="http://schemas.openxmlformats.org/markup-compatibility/2006" xmlns:a14="http://schemas.microsoft.com/office/drawing/2010/main">
+        <mc:Choice Requires="a14">
           <p:sp>
             <p:nvSpPr>
               <p:cNvPr id="13" name="TextBox 12">
@@ -18233,6 +18252,7 @@
               </a:bodyPr>
               <a:lstStyle/>
               <a:p>
+                <a:pPr/>
                 <a14:m>
                   <m:oMathPara xmlns:m="http://schemas.openxmlformats.org/officeDocument/2006/math">
                     <m:oMathParaPr>
@@ -18266,7 +18286,7 @@
             </p:txBody>
           </p:sp>
         </mc:Choice>
-        <mc:Fallback>
+        <mc:Fallback xmlns="">
           <p:sp>
             <p:nvSpPr>
               <p:cNvPr id="13" name="TextBox 12">
